--- a/AI Applications/study 발표/PPT-김소희.pptx
+++ b/AI Applications/study 발표/PPT-김소희.pptx
@@ -123,7 +123,7 @@
 <file path=ppt/revisionInfo.xml><?xml version="1.0" encoding="utf-8"?>
 <p1510:revInfo xmlns:a="http://schemas.openxmlformats.org/drawingml/2006/main" xmlns:r="http://schemas.openxmlformats.org/officeDocument/2006/relationships" xmlns:p1510="http://schemas.microsoft.com/office/powerpoint/2015/10/main">
   <p1510:revLst>
-    <p1510:client id="{EFE24466-6B2F-4C1B-95D5-53C6A40C7D7F}" v="189" dt="2022-05-16T15:54:29.116"/>
+    <p1510:client id="{EFE24466-6B2F-4C1B-95D5-53C6A40C7D7F}" v="198" dt="2022-05-17T02:36:11.209"/>
   </p1510:revLst>
 </p1510:revInfo>
 </file>
@@ -1194,7 +1194,7 @@
   <pc:docChgLst>
     <pc:chgData name="김소희" userId="292a1162-0793-4577-a94d-2dae0dfa5995" providerId="ADAL" clId="{EFE24466-6B2F-4C1B-95D5-53C6A40C7D7F}"/>
     <pc:docChg chg="undo custSel addSld delSld modSld sldOrd modMainMaster">
-      <pc:chgData name="김소희" userId="292a1162-0793-4577-a94d-2dae0dfa5995" providerId="ADAL" clId="{EFE24466-6B2F-4C1B-95D5-53C6A40C7D7F}" dt="2022-05-16T15:56:56.824" v="3129" actId="20577"/>
+      <pc:chgData name="김소희" userId="292a1162-0793-4577-a94d-2dae0dfa5995" providerId="ADAL" clId="{EFE24466-6B2F-4C1B-95D5-53C6A40C7D7F}" dt="2022-05-17T02:56:12.638" v="3233" actId="20577"/>
       <pc:docMkLst>
         <pc:docMk/>
       </pc:docMkLst>
@@ -1307,7 +1307,7 @@
         </pc:sldMkLst>
       </pc:sldChg>
       <pc:sldChg chg="addSp delSp modSp mod ord modNotesTx">
-        <pc:chgData name="김소희" userId="292a1162-0793-4577-a94d-2dae0dfa5995" providerId="ADAL" clId="{EFE24466-6B2F-4C1B-95D5-53C6A40C7D7F}" dt="2022-05-16T15:51:35.428" v="3059" actId="20577"/>
+        <pc:chgData name="김소희" userId="292a1162-0793-4577-a94d-2dae0dfa5995" providerId="ADAL" clId="{EFE24466-6B2F-4C1B-95D5-53C6A40C7D7F}" dt="2022-05-17T01:19:12.374" v="3137" actId="20577"/>
         <pc:sldMkLst>
           <pc:docMk/>
           <pc:sldMk cId="252891327" sldId="261"/>
@@ -1321,7 +1321,7 @@
           </ac:spMkLst>
         </pc:spChg>
         <pc:spChg chg="mod">
-          <ac:chgData name="김소희" userId="292a1162-0793-4577-a94d-2dae0dfa5995" providerId="ADAL" clId="{EFE24466-6B2F-4C1B-95D5-53C6A40C7D7F}" dt="2022-05-16T15:17:46.075" v="1919" actId="20577"/>
+          <ac:chgData name="김소희" userId="292a1162-0793-4577-a94d-2dae0dfa5995" providerId="ADAL" clId="{EFE24466-6B2F-4C1B-95D5-53C6A40C7D7F}" dt="2022-05-17T01:19:12.374" v="3137" actId="20577"/>
           <ac:spMkLst>
             <pc:docMk/>
             <pc:sldMk cId="252891327" sldId="261"/>
@@ -1538,7 +1538,7 @@
         </pc:sldMkLst>
       </pc:sldChg>
       <pc:sldChg chg="addSp delSp modSp add mod ord modNotesTx">
-        <pc:chgData name="김소희" userId="292a1162-0793-4577-a94d-2dae0dfa5995" providerId="ADAL" clId="{EFE24466-6B2F-4C1B-95D5-53C6A40C7D7F}" dt="2022-05-16T15:55:56.425" v="3116" actId="20577"/>
+        <pc:chgData name="김소희" userId="292a1162-0793-4577-a94d-2dae0dfa5995" providerId="ADAL" clId="{EFE24466-6B2F-4C1B-95D5-53C6A40C7D7F}" dt="2022-05-17T02:55:40.927" v="3232" actId="207"/>
         <pc:sldMkLst>
           <pc:docMk/>
           <pc:sldMk cId="2863779313" sldId="277"/>
@@ -1648,7 +1648,7 @@
         </pc:sldMkLst>
       </pc:sldChg>
       <pc:sldChg chg="addSp delSp modSp add mod modNotesTx">
-        <pc:chgData name="김소희" userId="292a1162-0793-4577-a94d-2dae0dfa5995" providerId="ADAL" clId="{EFE24466-6B2F-4C1B-95D5-53C6A40C7D7F}" dt="2022-05-16T15:52:21.785" v="3082" actId="20577"/>
+        <pc:chgData name="김소희" userId="292a1162-0793-4577-a94d-2dae0dfa5995" providerId="ADAL" clId="{EFE24466-6B2F-4C1B-95D5-53C6A40C7D7F}" dt="2022-05-17T02:55:23.397" v="3231" actId="20577"/>
         <pc:sldMkLst>
           <pc:docMk/>
           <pc:sldMk cId="1463399039" sldId="278"/>
@@ -1711,7 +1711,7 @@
         </pc:picChg>
       </pc:sldChg>
       <pc:sldChg chg="addSp delSp modSp add mod modNotesTx">
-        <pc:chgData name="김소희" userId="292a1162-0793-4577-a94d-2dae0dfa5995" providerId="ADAL" clId="{EFE24466-6B2F-4C1B-95D5-53C6A40C7D7F}" dt="2022-05-16T15:56:56.824" v="3129" actId="20577"/>
+        <pc:chgData name="김소희" userId="292a1162-0793-4577-a94d-2dae0dfa5995" providerId="ADAL" clId="{EFE24466-6B2F-4C1B-95D5-53C6A40C7D7F}" dt="2022-05-17T02:56:12.638" v="3233" actId="20577"/>
         <pc:sldMkLst>
           <pc:docMk/>
           <pc:sldMk cId="197451739" sldId="279"/>
@@ -1725,7 +1725,7 @@
           </ac:spMkLst>
         </pc:spChg>
         <pc:spChg chg="mod">
-          <ac:chgData name="김소희" userId="292a1162-0793-4577-a94d-2dae0dfa5995" providerId="ADAL" clId="{EFE24466-6B2F-4C1B-95D5-53C6A40C7D7F}" dt="2022-05-16T15:43:55.716" v="2797" actId="1076"/>
+          <ac:chgData name="김소희" userId="292a1162-0793-4577-a94d-2dae0dfa5995" providerId="ADAL" clId="{EFE24466-6B2F-4C1B-95D5-53C6A40C7D7F}" dt="2022-05-17T02:29:23.055" v="3195" actId="1076"/>
           <ac:spMkLst>
             <pc:docMk/>
             <pc:sldMk cId="197451739" sldId="279"/>
@@ -1740,6 +1740,22 @@
             <ac:spMk id="8" creationId="{2F50BAA7-7BE4-FA44-39D1-6AC23B908E8E}"/>
           </ac:spMkLst>
         </pc:spChg>
+        <pc:spChg chg="add del mod">
+          <ac:chgData name="김소희" userId="292a1162-0793-4577-a94d-2dae0dfa5995" providerId="ADAL" clId="{EFE24466-6B2F-4C1B-95D5-53C6A40C7D7F}" dt="2022-05-17T02:36:09.073" v="3208" actId="478"/>
+          <ac:spMkLst>
+            <pc:docMk/>
+            <pc:sldMk cId="197451739" sldId="279"/>
+            <ac:spMk id="8" creationId="{956281E0-A31D-E561-5C59-B7D850D1BB97}"/>
+          </ac:spMkLst>
+        </pc:spChg>
+        <pc:spChg chg="add mod">
+          <ac:chgData name="김소희" userId="292a1162-0793-4577-a94d-2dae0dfa5995" providerId="ADAL" clId="{EFE24466-6B2F-4C1B-95D5-53C6A40C7D7F}" dt="2022-05-17T02:56:12.638" v="3233" actId="20577"/>
+          <ac:spMkLst>
+            <pc:docMk/>
+            <pc:sldMk cId="197451739" sldId="279"/>
+            <ac:spMk id="10" creationId="{467A6A16-21C4-1205-DEF7-DF4A62625BB7}"/>
+          </ac:spMkLst>
+        </pc:spChg>
         <pc:spChg chg="del mod">
           <ac:chgData name="김소희" userId="292a1162-0793-4577-a94d-2dae0dfa5995" providerId="ADAL" clId="{EFE24466-6B2F-4C1B-95D5-53C6A40C7D7F}" dt="2022-05-16T15:39:32.934" v="2732" actId="478"/>
           <ac:spMkLst>
@@ -1758,7 +1774,7 @@
         </pc:spChg>
       </pc:sldChg>
       <pc:sldChg chg="addSp delSp modSp add mod modNotesTx">
-        <pc:chgData name="김소희" userId="292a1162-0793-4577-a94d-2dae0dfa5995" providerId="ADAL" clId="{EFE24466-6B2F-4C1B-95D5-53C6A40C7D7F}" dt="2022-05-16T15:56:38.188" v="3126" actId="20577"/>
+        <pc:chgData name="김소희" userId="292a1162-0793-4577-a94d-2dae0dfa5995" providerId="ADAL" clId="{EFE24466-6B2F-4C1B-95D5-53C6A40C7D7F}" dt="2022-05-17T02:16:15.489" v="3167" actId="21"/>
         <pc:sldMkLst>
           <pc:docMk/>
           <pc:sldMk cId="3289248419" sldId="280"/>
@@ -1777,6 +1793,14 @@
             <pc:docMk/>
             <pc:sldMk cId="3289248419" sldId="280"/>
             <ac:spMk id="6" creationId="{5A6776E4-9D30-47C4-BEF4-B57DC901EAA5}"/>
+          </ac:spMkLst>
+        </pc:spChg>
+        <pc:spChg chg="add del mod">
+          <ac:chgData name="김소희" userId="292a1162-0793-4577-a94d-2dae0dfa5995" providerId="ADAL" clId="{EFE24466-6B2F-4C1B-95D5-53C6A40C7D7F}" dt="2022-05-17T02:16:15.489" v="3167" actId="21"/>
+          <ac:spMkLst>
+            <pc:docMk/>
+            <pc:sldMk cId="3289248419" sldId="280"/>
+            <ac:spMk id="8" creationId="{A8D5983F-150F-1E2F-0779-C3FF3CAC1150}"/>
           </ac:spMkLst>
         </pc:spChg>
         <pc:spChg chg="del">
@@ -1844,7 +1868,7 @@
           </ac:picMkLst>
         </pc:picChg>
         <pc:picChg chg="add mod">
-          <ac:chgData name="김소희" userId="292a1162-0793-4577-a94d-2dae0dfa5995" providerId="ADAL" clId="{EFE24466-6B2F-4C1B-95D5-53C6A40C7D7F}" dt="2022-05-16T15:40:30.785" v="2736" actId="1076"/>
+          <ac:chgData name="김소희" userId="292a1162-0793-4577-a94d-2dae0dfa5995" providerId="ADAL" clId="{EFE24466-6B2F-4C1B-95D5-53C6A40C7D7F}" dt="2022-05-17T02:15:22.193" v="3155" actId="1076"/>
           <ac:picMkLst>
             <pc:docMk/>
             <pc:sldMk cId="3289248419" sldId="280"/>
@@ -2034,7 +2058,7 @@
           <a:p>
             <a:fld id="{0AC1EB60-3D7A-4589-8E12-D739B381C8F5}" type="datetimeFigureOut">
               <a:rPr lang="ko-KR" altLang="en-US" smtClean="0"/>
-              <a:t>2022-05-16</a:t>
+              <a:t>2022-05-17</a:t>
             </a:fld>
             <a:endParaRPr lang="ko-KR" altLang="en-US"/>
           </a:p>
@@ -3121,38 +3145,11 @@
               <a:tabLst/>
               <a:defRPr/>
             </a:pPr>
-            <a:endParaRPr lang="en-US" altLang="ko-KR" sz="1200" dirty="0"/>
-          </a:p>
-          <a:p>
-            <a:pPr marL="0" marR="0" lvl="0" indent="0" algn="l" defTabSz="914400" rtl="0" eaLnBrk="1" fontAlgn="auto" latinLnBrk="1" hangingPunct="1">
-              <a:lnSpc>
-                <a:spcPct val="100000"/>
-              </a:lnSpc>
-              <a:spcBef>
-                <a:spcPts val="0"/>
-              </a:spcBef>
-              <a:spcAft>
-                <a:spcPts val="0"/>
-              </a:spcAft>
-              <a:buClrTx/>
-              <a:buSzTx/>
-              <a:buFontTx/>
-              <a:buNone/>
-              <a:tabLst/>
-              <a:defRPr/>
-            </a:pPr>
-            <a:r>
-              <a:rPr lang="en-US" altLang="ko-KR" sz="1200" dirty="0">
-                <a:solidFill>
-                  <a:schemeClr val="tx1"/>
-                </a:solidFill>
-              </a:rPr>
-              <a:t>So, </a:t>
-            </a:r>
-            <a:r>
-              <a:rPr lang="en-US" altLang="ko-KR" dirty="0"/>
-              <a:t>The paper focuses on reviewing the types of buildings, temporal granularities, types of energy consumption predicted, types of data, types of features, and data sizes in the existing studies; and provides a discussion of the review results and future research directions. </a:t>
-            </a:r>
+            <a:endParaRPr lang="en-US" altLang="ko-KR" sz="1200" dirty="0">
+              <a:solidFill>
+                <a:schemeClr val="tx1"/>
+              </a:solidFill>
+            </a:endParaRPr>
           </a:p>
           <a:p>
             <a:pPr marL="0" marR="0" lvl="0" indent="0" algn="l" defTabSz="914400" rtl="0" eaLnBrk="1" fontAlgn="auto" latinLnBrk="1" hangingPunct="1">
@@ -3303,25 +3300,49 @@
           </a:p>
           <a:p>
             <a:r>
-              <a:rPr lang="en-US" altLang="ko-KR" dirty="0"/>
+              <a:rPr lang="en-US" altLang="ko-KR" dirty="0">
+                <a:solidFill>
+                  <a:schemeClr val="bg1">
+                    <a:lumMod val="50000"/>
+                  </a:schemeClr>
+                </a:solidFill>
+              </a:rPr>
               <a:t>Only 19% of these models focused on residential buildings, with the remaining models focusing on non-residential buildings including commercial and educational buildings. </a:t>
             </a:r>
           </a:p>
           <a:p>
             <a:r>
-              <a:rPr lang="en-US" altLang="ko-KR" dirty="0"/>
+              <a:rPr lang="en-US" altLang="ko-KR" dirty="0">
+                <a:solidFill>
+                  <a:schemeClr val="bg1">
+                    <a:lumMod val="50000"/>
+                  </a:schemeClr>
+                </a:solidFill>
+              </a:rPr>
               <a:t>The majority of these models, 57%, were developed for predicting hourly energy consumption, while 12%, 15%, 4%, and 12% of the models focused on sub-hourly, daily, monthly, and yearly consumption, respectively. </a:t>
             </a:r>
           </a:p>
           <a:p>
             <a:r>
-              <a:rPr lang="en-US" altLang="ko-KR" dirty="0"/>
+              <a:rPr lang="en-US" altLang="ko-KR" dirty="0">
+                <a:solidFill>
+                  <a:schemeClr val="bg1">
+                    <a:lumMod val="50000"/>
+                  </a:schemeClr>
+                </a:solidFill>
+              </a:rPr>
               <a:t>Overall, 47% of the models focused on predicting overall energy consumption, with 31% and 20% focusing on cooling and heating energy consumption, and only 2% focusing on lighting energy consumption prediction.</a:t>
             </a:r>
           </a:p>
           <a:p>
             <a:r>
-              <a:rPr lang="en-US" altLang="ko-KR" dirty="0"/>
+              <a:rPr lang="en-US" altLang="ko-KR" dirty="0">
+                <a:solidFill>
+                  <a:schemeClr val="bg1">
+                    <a:lumMod val="50000"/>
+                  </a:schemeClr>
+                </a:solidFill>
+              </a:rPr>
               <a:t>The data were classified into 3 types, real data, simulated data, and public benchmark data(datasets provide for energy consumption prediction competitions). The (67%) of these studies used real data to train and test their models, while 19% and 14% of the studies used simulated and public benchmark data, </a:t>
             </a:r>
           </a:p>
@@ -3344,7 +3365,13 @@
               <a:defRPr/>
             </a:pPr>
             <a:r>
-              <a:rPr lang="en-US" altLang="ko-KR" dirty="0"/>
+              <a:rPr lang="en-US" altLang="ko-KR" dirty="0">
+                <a:solidFill>
+                  <a:schemeClr val="bg1">
+                    <a:lumMod val="50000"/>
+                  </a:schemeClr>
+                </a:solidFill>
+              </a:rPr>
               <a:t>At machine learning algorithm, 47% and 25% of the studies utilized ANN and SVM, to train their models. Only 4% of the studies utilized decision trees. The other, 24% of the studies utilized other statistical algorithms such as MLR, OLS, and ARIMA.</a:t>
             </a:r>
           </a:p>
@@ -3585,15 +3612,7 @@
             </a:pPr>
             <a:r>
               <a:rPr lang="en-US" altLang="ko-KR" dirty="0"/>
-              <a:t>Despite the importance of data-driven approaches</a:t>
-            </a:r>
-            <a:r>
-              <a:rPr lang="en-US" altLang="ko-KR"/>
-              <a:t>, It has </a:t>
-            </a:r>
-            <a:r>
-              <a:rPr lang="en-US" altLang="ko-KR" dirty="0"/>
-              <a:t>two main limitations. </a:t>
+              <a:t>Despite the importance of data-driven approaches, It has two main limitations. </a:t>
             </a:r>
           </a:p>
           <a:p>
@@ -3968,7 +3987,7 @@
           <a:p>
             <a:fld id="{C142EF4D-3C10-43EB-9E18-A2053A14795D}" type="datetimeFigureOut">
               <a:rPr lang="ko-KR" altLang="en-US" smtClean="0"/>
-              <a:t>2022-05-16</a:t>
+              <a:t>2022-05-17</a:t>
             </a:fld>
             <a:endParaRPr lang="ko-KR" altLang="en-US"/>
           </a:p>
@@ -4166,7 +4185,7 @@
           <a:p>
             <a:fld id="{C142EF4D-3C10-43EB-9E18-A2053A14795D}" type="datetimeFigureOut">
               <a:rPr lang="ko-KR" altLang="en-US" smtClean="0"/>
-              <a:t>2022-05-16</a:t>
+              <a:t>2022-05-17</a:t>
             </a:fld>
             <a:endParaRPr lang="ko-KR" altLang="en-US"/>
           </a:p>
@@ -4374,7 +4393,7 @@
           <a:p>
             <a:fld id="{C142EF4D-3C10-43EB-9E18-A2053A14795D}" type="datetimeFigureOut">
               <a:rPr lang="ko-KR" altLang="en-US" smtClean="0"/>
-              <a:t>2022-05-16</a:t>
+              <a:t>2022-05-17</a:t>
             </a:fld>
             <a:endParaRPr lang="ko-KR" altLang="en-US"/>
           </a:p>
@@ -4572,7 +4591,7 @@
           <a:p>
             <a:fld id="{C142EF4D-3C10-43EB-9E18-A2053A14795D}" type="datetimeFigureOut">
               <a:rPr lang="ko-KR" altLang="en-US" smtClean="0"/>
-              <a:t>2022-05-16</a:t>
+              <a:t>2022-05-17</a:t>
             </a:fld>
             <a:endParaRPr lang="ko-KR" altLang="en-US"/>
           </a:p>
@@ -4847,7 +4866,7 @@
           <a:p>
             <a:fld id="{C142EF4D-3C10-43EB-9E18-A2053A14795D}" type="datetimeFigureOut">
               <a:rPr lang="ko-KR" altLang="en-US" smtClean="0"/>
-              <a:t>2022-05-16</a:t>
+              <a:t>2022-05-17</a:t>
             </a:fld>
             <a:endParaRPr lang="ko-KR" altLang="en-US"/>
           </a:p>
@@ -5112,7 +5131,7 @@
           <a:p>
             <a:fld id="{C142EF4D-3C10-43EB-9E18-A2053A14795D}" type="datetimeFigureOut">
               <a:rPr lang="ko-KR" altLang="en-US" smtClean="0"/>
-              <a:t>2022-05-16</a:t>
+              <a:t>2022-05-17</a:t>
             </a:fld>
             <a:endParaRPr lang="ko-KR" altLang="en-US"/>
           </a:p>
@@ -5524,7 +5543,7 @@
           <a:p>
             <a:fld id="{C142EF4D-3C10-43EB-9E18-A2053A14795D}" type="datetimeFigureOut">
               <a:rPr lang="ko-KR" altLang="en-US" smtClean="0"/>
-              <a:t>2022-05-16</a:t>
+              <a:t>2022-05-17</a:t>
             </a:fld>
             <a:endParaRPr lang="ko-KR" altLang="en-US"/>
           </a:p>
@@ -5665,7 +5684,7 @@
           <a:p>
             <a:fld id="{C142EF4D-3C10-43EB-9E18-A2053A14795D}" type="datetimeFigureOut">
               <a:rPr lang="ko-KR" altLang="en-US" smtClean="0"/>
-              <a:t>2022-05-16</a:t>
+              <a:t>2022-05-17</a:t>
             </a:fld>
             <a:endParaRPr lang="ko-KR" altLang="en-US"/>
           </a:p>
@@ -5778,7 +5797,7 @@
           <a:p>
             <a:fld id="{C142EF4D-3C10-43EB-9E18-A2053A14795D}" type="datetimeFigureOut">
               <a:rPr lang="ko-KR" altLang="en-US" smtClean="0"/>
-              <a:t>2022-05-16</a:t>
+              <a:t>2022-05-17</a:t>
             </a:fld>
             <a:endParaRPr lang="ko-KR" altLang="en-US"/>
           </a:p>
@@ -6089,7 +6108,7 @@
           <a:p>
             <a:fld id="{C142EF4D-3C10-43EB-9E18-A2053A14795D}" type="datetimeFigureOut">
               <a:rPr lang="ko-KR" altLang="en-US" smtClean="0"/>
-              <a:t>2022-05-16</a:t>
+              <a:t>2022-05-17</a:t>
             </a:fld>
             <a:endParaRPr lang="ko-KR" altLang="en-US"/>
           </a:p>
@@ -6377,7 +6396,7 @@
           <a:p>
             <a:fld id="{C142EF4D-3C10-43EB-9E18-A2053A14795D}" type="datetimeFigureOut">
               <a:rPr lang="ko-KR" altLang="en-US" smtClean="0"/>
-              <a:t>2022-05-16</a:t>
+              <a:t>2022-05-17</a:t>
             </a:fld>
             <a:endParaRPr lang="ko-KR" altLang="en-US"/>
           </a:p>
@@ -6623,7 +6642,7 @@
           <a:p>
             <a:fld id="{C142EF4D-3C10-43EB-9E18-A2053A14795D}" type="datetimeFigureOut">
               <a:rPr lang="ko-KR" altLang="en-US" smtClean="0"/>
-              <a:t>2022-05-16</a:t>
+              <a:t>2022-05-17</a:t>
             </a:fld>
             <a:endParaRPr lang="ko-KR" altLang="en-US"/>
           </a:p>
@@ -9123,7 +9142,7 @@
         </p:blipFill>
         <p:spPr>
           <a:xfrm>
-            <a:off x="6178438" y="1493027"/>
+            <a:off x="6206535" y="1239488"/>
             <a:ext cx="5417816" cy="4750455"/>
           </a:xfrm>
           <a:prstGeom prst="rect">
@@ -9257,7 +9276,7 @@
         </p:nvSpPr>
         <p:spPr>
           <a:xfrm>
-            <a:off x="567648" y="1690402"/>
+            <a:off x="567648" y="1576082"/>
             <a:ext cx="11056703" cy="1766581"/>
           </a:xfrm>
           <a:prstGeom prst="roundRect">
@@ -9399,6 +9418,648 @@
               <a:ea typeface="+mj-ea"/>
               <a:cs typeface="조선일보명조" pitchFamily="18" charset="-127"/>
             </a:endParaRPr>
+          </a:p>
+        </p:txBody>
+      </p:sp>
+      <p:sp>
+        <p:nvSpPr>
+          <p:cNvPr id="10" name="TextBox 9">
+            <a:extLst>
+              <a:ext uri="{FF2B5EF4-FFF2-40B4-BE49-F238E27FC236}">
+                <a16:creationId xmlns:a16="http://schemas.microsoft.com/office/drawing/2014/main" id="{467A6A16-21C4-1205-DEF7-DF4A62625BB7}"/>
+              </a:ext>
+            </a:extLst>
+          </p:cNvPr>
+          <p:cNvSpPr txBox="1"/>
+          <p:nvPr/>
+        </p:nvSpPr>
+        <p:spPr>
+          <a:xfrm>
+            <a:off x="567648" y="3515338"/>
+            <a:ext cx="11084799" cy="3108543"/>
+          </a:xfrm>
+          <a:prstGeom prst="rect">
+            <a:avLst/>
+          </a:prstGeom>
+          <a:noFill/>
+        </p:spPr>
+        <p:txBody>
+          <a:bodyPr wrap="square">
+            <a:spAutoFit/>
+          </a:bodyPr>
+          <a:lstStyle/>
+          <a:p>
+            <a:r>
+              <a:rPr lang="en-US" altLang="ko-KR" sz="1400" dirty="0">
+                <a:solidFill>
+                  <a:schemeClr val="tx1">
+                    <a:lumMod val="65000"/>
+                    <a:lumOff val="35000"/>
+                  </a:schemeClr>
+                </a:solidFill>
+              </a:rPr>
+              <a:t>[66] Li K, </a:t>
+            </a:r>
+            <a:r>
+              <a:rPr lang="en-US" altLang="ko-KR" sz="1400" dirty="0" err="1">
+                <a:solidFill>
+                  <a:schemeClr val="tx1">
+                    <a:lumMod val="65000"/>
+                    <a:lumOff val="35000"/>
+                  </a:schemeClr>
+                </a:solidFill>
+              </a:rPr>
+              <a:t>Su</a:t>
+            </a:r>
+            <a:r>
+              <a:rPr lang="en-US" altLang="ko-KR" sz="1400" dirty="0">
+                <a:solidFill>
+                  <a:schemeClr val="tx1">
+                    <a:lumMod val="65000"/>
+                    <a:lumOff val="35000"/>
+                  </a:schemeClr>
+                </a:solidFill>
+              </a:rPr>
+              <a:t> H, Chu J. </a:t>
+            </a:r>
+            <a:r>
+              <a:rPr lang="en-US" altLang="ko-KR" sz="1400" b="1" dirty="0">
+                <a:solidFill>
+                  <a:schemeClr val="tx1">
+                    <a:lumMod val="65000"/>
+                    <a:lumOff val="35000"/>
+                  </a:schemeClr>
+                </a:solidFill>
+              </a:rPr>
+              <a:t>Forecasting building energy consumption using neural networks and hybrid neuro-fuzzy system: a comparative study.</a:t>
+            </a:r>
+            <a:r>
+              <a:rPr lang="en-US" altLang="ko-KR" sz="1400" dirty="0">
+                <a:solidFill>
+                  <a:schemeClr val="tx1">
+                    <a:lumMod val="65000"/>
+                    <a:lumOff val="35000"/>
+                  </a:schemeClr>
+                </a:solidFill>
+              </a:rPr>
+              <a:t> Energy Build2011;43:2893–9. http://dx.doi.org/10.1016/j.enbuild.2011.07</a:t>
+            </a:r>
+          </a:p>
+          <a:p>
+            <a:endParaRPr lang="en-US" altLang="ko-KR" sz="1400" dirty="0">
+              <a:solidFill>
+                <a:schemeClr val="tx1">
+                  <a:lumMod val="65000"/>
+                  <a:lumOff val="35000"/>
+                </a:schemeClr>
+              </a:solidFill>
+            </a:endParaRPr>
+          </a:p>
+          <a:p>
+            <a:r>
+              <a:rPr lang="en-US" altLang="ko-KR" sz="1400" dirty="0">
+                <a:solidFill>
+                  <a:schemeClr val="tx1">
+                    <a:lumMod val="65000"/>
+                    <a:lumOff val="35000"/>
+                  </a:schemeClr>
+                </a:solidFill>
+              </a:rPr>
+              <a:t>[70] Catalina T, </a:t>
+            </a:r>
+            <a:r>
+              <a:rPr lang="en-US" altLang="ko-KR" sz="1400" dirty="0" err="1">
+                <a:solidFill>
+                  <a:schemeClr val="tx1">
+                    <a:lumMod val="65000"/>
+                    <a:lumOff val="35000"/>
+                  </a:schemeClr>
+                </a:solidFill>
+              </a:rPr>
+              <a:t>Iordache</a:t>
+            </a:r>
+            <a:r>
+              <a:rPr lang="en-US" altLang="ko-KR" sz="1400" dirty="0">
+                <a:solidFill>
+                  <a:schemeClr val="tx1">
+                    <a:lumMod val="65000"/>
+                    <a:lumOff val="35000"/>
+                  </a:schemeClr>
+                </a:solidFill>
+              </a:rPr>
+              <a:t> V, </a:t>
+            </a:r>
+            <a:r>
+              <a:rPr lang="en-US" altLang="ko-KR" sz="1400" dirty="0" err="1">
+                <a:solidFill>
+                  <a:schemeClr val="tx1">
+                    <a:lumMod val="65000"/>
+                    <a:lumOff val="35000"/>
+                  </a:schemeClr>
+                </a:solidFill>
+              </a:rPr>
+              <a:t>Caracaleanu</a:t>
+            </a:r>
+            <a:r>
+              <a:rPr lang="en-US" altLang="ko-KR" sz="1400" dirty="0">
+                <a:solidFill>
+                  <a:schemeClr val="tx1">
+                    <a:lumMod val="65000"/>
+                    <a:lumOff val="35000"/>
+                  </a:schemeClr>
+                </a:solidFill>
+              </a:rPr>
+              <a:t> B. </a:t>
+            </a:r>
+            <a:r>
+              <a:rPr lang="en-US" altLang="ko-KR" sz="1400" b="1" dirty="0">
+                <a:solidFill>
+                  <a:schemeClr val="tx1">
+                    <a:lumMod val="65000"/>
+                    <a:lumOff val="35000"/>
+                  </a:schemeClr>
+                </a:solidFill>
+              </a:rPr>
+              <a:t>Multiple regression model for fast prediction of the heating energy demand. </a:t>
+            </a:r>
+            <a:r>
+              <a:rPr lang="en-US" altLang="ko-KR" sz="1400" dirty="0">
+                <a:solidFill>
+                  <a:schemeClr val="tx1">
+                    <a:lumMod val="65000"/>
+                    <a:lumOff val="35000"/>
+                  </a:schemeClr>
+                </a:solidFill>
+              </a:rPr>
+              <a:t>Energy Build 2013;57:302–12. http://dx.doi.org/10.1016/j.enbuild.2012.11.</a:t>
+            </a:r>
+          </a:p>
+          <a:p>
+            <a:endParaRPr lang="en-US" altLang="ko-KR" sz="1400" dirty="0">
+              <a:solidFill>
+                <a:schemeClr val="tx1">
+                  <a:lumMod val="65000"/>
+                  <a:lumOff val="35000"/>
+                </a:schemeClr>
+              </a:solidFill>
+            </a:endParaRPr>
+          </a:p>
+          <a:p>
+            <a:r>
+              <a:rPr lang="ko-KR" altLang="en-US" sz="1400" dirty="0">
+                <a:solidFill>
+                  <a:schemeClr val="tx1">
+                    <a:lumMod val="65000"/>
+                    <a:lumOff val="35000"/>
+                  </a:schemeClr>
+                </a:solidFill>
+              </a:rPr>
+              <a:t>[77] </a:t>
+            </a:r>
+            <a:r>
+              <a:rPr lang="ko-KR" altLang="en-US" sz="1400" dirty="0" err="1">
+                <a:solidFill>
+                  <a:schemeClr val="tx1">
+                    <a:lumMod val="65000"/>
+                    <a:lumOff val="35000"/>
+                  </a:schemeClr>
+                </a:solidFill>
+              </a:rPr>
+              <a:t>Chae</a:t>
+            </a:r>
+            <a:r>
+              <a:rPr lang="ko-KR" altLang="en-US" sz="1400" dirty="0">
+                <a:solidFill>
+                  <a:schemeClr val="tx1">
+                    <a:lumMod val="65000"/>
+                    <a:lumOff val="35000"/>
+                  </a:schemeClr>
+                </a:solidFill>
+              </a:rPr>
+              <a:t> YT, </a:t>
+            </a:r>
+            <a:r>
+              <a:rPr lang="ko-KR" altLang="en-US" sz="1400" dirty="0" err="1">
+                <a:solidFill>
+                  <a:schemeClr val="tx1">
+                    <a:lumMod val="65000"/>
+                    <a:lumOff val="35000"/>
+                  </a:schemeClr>
+                </a:solidFill>
+              </a:rPr>
+              <a:t>Horesh</a:t>
+            </a:r>
+            <a:r>
+              <a:rPr lang="ko-KR" altLang="en-US" sz="1400" dirty="0">
+                <a:solidFill>
+                  <a:schemeClr val="tx1">
+                    <a:lumMod val="65000"/>
+                    <a:lumOff val="35000"/>
+                  </a:schemeClr>
+                </a:solidFill>
+              </a:rPr>
+              <a:t> </a:t>
+            </a:r>
+            <a:r>
+              <a:rPr lang="ko-KR" altLang="en-US" sz="1400" dirty="0" err="1">
+                <a:solidFill>
+                  <a:schemeClr val="tx1">
+                    <a:lumMod val="65000"/>
+                    <a:lumOff val="35000"/>
+                  </a:schemeClr>
+                </a:solidFill>
+              </a:rPr>
+              <a:t>R</a:t>
+            </a:r>
+            <a:r>
+              <a:rPr lang="ko-KR" altLang="en-US" sz="1400" dirty="0">
+                <a:solidFill>
+                  <a:schemeClr val="tx1">
+                    <a:lumMod val="65000"/>
+                    <a:lumOff val="35000"/>
+                  </a:schemeClr>
+                </a:solidFill>
+              </a:rPr>
+              <a:t>, </a:t>
+            </a:r>
+            <a:r>
+              <a:rPr lang="ko-KR" altLang="en-US" sz="1400" dirty="0" err="1">
+                <a:solidFill>
+                  <a:schemeClr val="tx1">
+                    <a:lumMod val="65000"/>
+                    <a:lumOff val="35000"/>
+                  </a:schemeClr>
+                </a:solidFill>
+              </a:rPr>
+              <a:t>Hwang</a:t>
+            </a:r>
+            <a:r>
+              <a:rPr lang="ko-KR" altLang="en-US" sz="1400" dirty="0">
+                <a:solidFill>
+                  <a:schemeClr val="tx1">
+                    <a:lumMod val="65000"/>
+                    <a:lumOff val="35000"/>
+                  </a:schemeClr>
+                </a:solidFill>
+              </a:rPr>
+              <a:t> </a:t>
+            </a:r>
+            <a:r>
+              <a:rPr lang="ko-KR" altLang="en-US" sz="1400" dirty="0" err="1">
+                <a:solidFill>
+                  <a:schemeClr val="tx1">
+                    <a:lumMod val="65000"/>
+                    <a:lumOff val="35000"/>
+                  </a:schemeClr>
+                </a:solidFill>
+              </a:rPr>
+              <a:t>Y</a:t>
+            </a:r>
+            <a:r>
+              <a:rPr lang="ko-KR" altLang="en-US" sz="1400" dirty="0">
+                <a:solidFill>
+                  <a:schemeClr val="tx1">
+                    <a:lumMod val="65000"/>
+                    <a:lumOff val="35000"/>
+                  </a:schemeClr>
+                </a:solidFill>
+              </a:rPr>
+              <a:t>, Lee YM. </a:t>
+            </a:r>
+            <a:r>
+              <a:rPr lang="ko-KR" altLang="en-US" sz="1400" b="1" dirty="0">
+                <a:solidFill>
+                  <a:schemeClr val="tx1">
+                    <a:lumMod val="65000"/>
+                    <a:lumOff val="35000"/>
+                  </a:schemeClr>
+                </a:solidFill>
+              </a:rPr>
+              <a:t>Artificial neural </a:t>
+            </a:r>
+            <a:r>
+              <a:rPr lang="ko-KR" altLang="en-US" sz="1400" b="1" dirty="0" err="1">
+                <a:solidFill>
+                  <a:schemeClr val="tx1">
+                    <a:lumMod val="65000"/>
+                    <a:lumOff val="35000"/>
+                  </a:schemeClr>
+                </a:solidFill>
+              </a:rPr>
+              <a:t>network</a:t>
+            </a:r>
+            <a:r>
+              <a:rPr lang="ko-KR" altLang="en-US" sz="1400" b="1" dirty="0">
+                <a:solidFill>
+                  <a:schemeClr val="tx1">
+                    <a:lumMod val="65000"/>
+                    <a:lumOff val="35000"/>
+                  </a:schemeClr>
+                </a:solidFill>
+              </a:rPr>
+              <a:t> </a:t>
+            </a:r>
+            <a:r>
+              <a:rPr lang="ko-KR" altLang="en-US" sz="1400" b="1" dirty="0" err="1">
+                <a:solidFill>
+                  <a:schemeClr val="tx1">
+                    <a:lumMod val="65000"/>
+                    <a:lumOff val="35000"/>
+                  </a:schemeClr>
+                </a:solidFill>
+              </a:rPr>
+              <a:t>model</a:t>
+            </a:r>
+            <a:r>
+              <a:rPr lang="ko-KR" altLang="en-US" sz="1400" b="1" dirty="0">
+                <a:solidFill>
+                  <a:schemeClr val="tx1">
+                    <a:lumMod val="65000"/>
+                    <a:lumOff val="35000"/>
+                  </a:schemeClr>
+                </a:solidFill>
+              </a:rPr>
+              <a:t> </a:t>
+            </a:r>
+            <a:r>
+              <a:rPr lang="ko-KR" altLang="en-US" sz="1400" b="1" dirty="0" err="1">
+                <a:solidFill>
+                  <a:schemeClr val="tx1">
+                    <a:lumMod val="65000"/>
+                    <a:lumOff val="35000"/>
+                  </a:schemeClr>
+                </a:solidFill>
+              </a:rPr>
+              <a:t>for</a:t>
+            </a:r>
+            <a:r>
+              <a:rPr lang="ko-KR" altLang="en-US" sz="1400" b="1" dirty="0">
+                <a:solidFill>
+                  <a:schemeClr val="tx1">
+                    <a:lumMod val="65000"/>
+                    <a:lumOff val="35000"/>
+                  </a:schemeClr>
+                </a:solidFill>
+              </a:rPr>
+              <a:t> </a:t>
+            </a:r>
+            <a:r>
+              <a:rPr lang="ko-KR" altLang="en-US" sz="1400" b="1" dirty="0" err="1">
+                <a:solidFill>
+                  <a:schemeClr val="tx1">
+                    <a:lumMod val="65000"/>
+                    <a:lumOff val="35000"/>
+                  </a:schemeClr>
+                </a:solidFill>
+              </a:rPr>
+              <a:t>forecasting</a:t>
+            </a:r>
+            <a:r>
+              <a:rPr lang="ko-KR" altLang="en-US" sz="1400" b="1" dirty="0">
+                <a:solidFill>
+                  <a:schemeClr val="tx1">
+                    <a:lumMod val="65000"/>
+                    <a:lumOff val="35000"/>
+                  </a:schemeClr>
+                </a:solidFill>
+              </a:rPr>
+              <a:t> </a:t>
+            </a:r>
+            <a:r>
+              <a:rPr lang="ko-KR" altLang="en-US" sz="1400" b="1" dirty="0" err="1">
+                <a:solidFill>
+                  <a:schemeClr val="tx1">
+                    <a:lumMod val="65000"/>
+                    <a:lumOff val="35000"/>
+                  </a:schemeClr>
+                </a:solidFill>
+              </a:rPr>
+              <a:t>sub-hourly</a:t>
+            </a:r>
+            <a:r>
+              <a:rPr lang="ko-KR" altLang="en-US" sz="1400" b="1" dirty="0">
+                <a:solidFill>
+                  <a:schemeClr val="tx1">
+                    <a:lumMod val="65000"/>
+                    <a:lumOff val="35000"/>
+                  </a:schemeClr>
+                </a:solidFill>
+              </a:rPr>
+              <a:t> </a:t>
+            </a:r>
+            <a:r>
+              <a:rPr lang="ko-KR" altLang="en-US" sz="1400" b="1" dirty="0" err="1">
+                <a:solidFill>
+                  <a:schemeClr val="tx1">
+                    <a:lumMod val="65000"/>
+                    <a:lumOff val="35000"/>
+                  </a:schemeClr>
+                </a:solidFill>
+              </a:rPr>
+              <a:t>electricity</a:t>
+            </a:r>
+            <a:r>
+              <a:rPr lang="ko-KR" altLang="en-US" sz="1400" b="1" dirty="0">
+                <a:solidFill>
+                  <a:schemeClr val="tx1">
+                    <a:lumMod val="65000"/>
+                    <a:lumOff val="35000"/>
+                  </a:schemeClr>
+                </a:solidFill>
+              </a:rPr>
+              <a:t> </a:t>
+            </a:r>
+            <a:r>
+              <a:rPr lang="ko-KR" altLang="en-US" sz="1400" b="1" dirty="0" err="1">
+                <a:solidFill>
+                  <a:schemeClr val="tx1">
+                    <a:lumMod val="65000"/>
+                    <a:lumOff val="35000"/>
+                  </a:schemeClr>
+                </a:solidFill>
+              </a:rPr>
+              <a:t>usage</a:t>
+            </a:r>
+            <a:r>
+              <a:rPr lang="ko-KR" altLang="en-US" sz="1400" b="1" dirty="0">
+                <a:solidFill>
+                  <a:schemeClr val="tx1">
+                    <a:lumMod val="65000"/>
+                    <a:lumOff val="35000"/>
+                  </a:schemeClr>
+                </a:solidFill>
+              </a:rPr>
+              <a:t> </a:t>
+            </a:r>
+            <a:r>
+              <a:rPr lang="ko-KR" altLang="en-US" sz="1400" b="1" dirty="0" err="1">
+                <a:solidFill>
+                  <a:schemeClr val="tx1">
+                    <a:lumMod val="65000"/>
+                    <a:lumOff val="35000"/>
+                  </a:schemeClr>
+                </a:solidFill>
+              </a:rPr>
+              <a:t>in</a:t>
+            </a:r>
+            <a:r>
+              <a:rPr lang="ko-KR" altLang="en-US" sz="1400" b="1" dirty="0">
+                <a:solidFill>
+                  <a:schemeClr val="tx1">
+                    <a:lumMod val="65000"/>
+                    <a:lumOff val="35000"/>
+                  </a:schemeClr>
+                </a:solidFill>
+              </a:rPr>
+              <a:t> Commercial buildings</a:t>
+            </a:r>
+            <a:r>
+              <a:rPr lang="ko-KR" altLang="en-US" sz="1400" dirty="0">
+                <a:solidFill>
+                  <a:schemeClr val="tx1">
+                    <a:lumMod val="65000"/>
+                    <a:lumOff val="35000"/>
+                  </a:schemeClr>
+                </a:solidFill>
+              </a:rPr>
+              <a:t>. Energy Build2016;111:184–94. http://dx.doi.org/10.1016/j.enbuild.2015.11.04</a:t>
+            </a:r>
+            <a:endParaRPr lang="en-US" altLang="ko-KR" sz="1400" dirty="0">
+              <a:solidFill>
+                <a:schemeClr val="tx1">
+                  <a:lumMod val="65000"/>
+                  <a:lumOff val="35000"/>
+                </a:schemeClr>
+              </a:solidFill>
+            </a:endParaRPr>
+          </a:p>
+          <a:p>
+            <a:endParaRPr lang="en-US" altLang="ko-KR" sz="1400" dirty="0">
+              <a:solidFill>
+                <a:schemeClr val="tx1">
+                  <a:lumMod val="65000"/>
+                  <a:lumOff val="35000"/>
+                </a:schemeClr>
+              </a:solidFill>
+            </a:endParaRPr>
+          </a:p>
+          <a:p>
+            <a:r>
+              <a:rPr lang="en-US" altLang="ko-KR" sz="1400" dirty="0">
+                <a:solidFill>
+                  <a:schemeClr val="tx1">
+                    <a:lumMod val="65000"/>
+                    <a:lumOff val="35000"/>
+                  </a:schemeClr>
+                </a:solidFill>
+              </a:rPr>
+              <a:t>[98] Dong B, Li Z, Rahman SMM, Vega R. </a:t>
+            </a:r>
+            <a:r>
+              <a:rPr lang="en-US" altLang="ko-KR" sz="1400" b="1" dirty="0">
+                <a:solidFill>
+                  <a:schemeClr val="tx1">
+                    <a:lumMod val="65000"/>
+                    <a:lumOff val="35000"/>
+                  </a:schemeClr>
+                </a:solidFill>
+              </a:rPr>
+              <a:t>A hybrid model approach for forecasting future residential electricity consumption. </a:t>
+            </a:r>
+            <a:r>
+              <a:rPr lang="en-US" altLang="ko-KR" sz="1400" dirty="0">
+                <a:solidFill>
+                  <a:schemeClr val="tx1">
+                    <a:lumMod val="65000"/>
+                    <a:lumOff val="35000"/>
+                  </a:schemeClr>
+                </a:solidFill>
+              </a:rPr>
+              <a:t>Energy Build 2016;117:341–51. http:// dx.doi.org/10.1016/j.enbuild.2015.09.033. </a:t>
+            </a:r>
+          </a:p>
+          <a:p>
+            <a:endParaRPr lang="en-US" altLang="ko-KR" sz="1400" dirty="0">
+              <a:solidFill>
+                <a:schemeClr val="tx1">
+                  <a:lumMod val="65000"/>
+                  <a:lumOff val="35000"/>
+                </a:schemeClr>
+              </a:solidFill>
+            </a:endParaRPr>
+          </a:p>
+          <a:p>
+            <a:r>
+              <a:rPr lang="en-US" altLang="ko-KR" sz="1400" b="0" i="0" dirty="0">
+                <a:solidFill>
+                  <a:schemeClr val="tx1">
+                    <a:lumMod val="65000"/>
+                    <a:lumOff val="35000"/>
+                  </a:schemeClr>
+                </a:solidFill>
+                <a:effectLst/>
+              </a:rPr>
+              <a:t>Kim, Tae-Young, and Sung-Bae Cho. "</a:t>
+            </a:r>
+            <a:r>
+              <a:rPr lang="en-US" altLang="ko-KR" sz="1400" b="1" i="0" dirty="0">
+                <a:solidFill>
+                  <a:schemeClr val="tx1">
+                    <a:lumMod val="65000"/>
+                    <a:lumOff val="35000"/>
+                  </a:schemeClr>
+                </a:solidFill>
+                <a:effectLst/>
+              </a:rPr>
+              <a:t>Predicting residential energy consumption using CNN-LSTM neural networks</a:t>
+            </a:r>
+            <a:r>
+              <a:rPr lang="en-US" altLang="ko-KR" sz="1400" b="0" i="0" dirty="0">
+                <a:solidFill>
+                  <a:schemeClr val="tx1">
+                    <a:lumMod val="65000"/>
+                    <a:lumOff val="35000"/>
+                  </a:schemeClr>
+                </a:solidFill>
+                <a:effectLst/>
+              </a:rPr>
+              <a:t>." </a:t>
+            </a:r>
+            <a:r>
+              <a:rPr lang="en-US" altLang="ko-KR" sz="1400" b="0" i="1" dirty="0">
+                <a:solidFill>
+                  <a:schemeClr val="tx1">
+                    <a:lumMod val="65000"/>
+                    <a:lumOff val="35000"/>
+                  </a:schemeClr>
+                </a:solidFill>
+                <a:effectLst/>
+              </a:rPr>
+              <a:t>Energy</a:t>
+            </a:r>
+            <a:r>
+              <a:rPr lang="en-US" altLang="ko-KR" sz="1400" b="0" i="0" dirty="0">
+                <a:solidFill>
+                  <a:schemeClr val="tx1">
+                    <a:lumMod val="65000"/>
+                    <a:lumOff val="35000"/>
+                  </a:schemeClr>
+                </a:solidFill>
+                <a:effectLst/>
+              </a:rPr>
+              <a:t> 182 (2019): 72-81. </a:t>
+            </a:r>
+            <a:r>
+              <a:rPr lang="en-US" altLang="ko-KR" sz="1400" dirty="0">
+                <a:solidFill>
+                  <a:schemeClr val="tx1">
+                    <a:lumMod val="65000"/>
+                    <a:lumOff val="35000"/>
+                  </a:schemeClr>
+                </a:solidFill>
+              </a:rPr>
+              <a:t>https://doi.org/10.1016/j.energy.2019.05.230</a:t>
+            </a:r>
           </a:p>
         </p:txBody>
       </p:sp>
